--- a/docs/diagrams/LogicComponentSequenceDiagram.pptx
+++ b/docs/diagrams/LogicComponentSequenceDiagram.pptx
@@ -8,7 +8,7 @@
     <p:notesMasterId r:id="rId3"/>
   </p:notesMasterIdLst>
   <p:sldIdLst>
-    <p:sldId id="267" r:id="rId2"/>
+    <p:sldId id="268" r:id="rId2"/>
   </p:sldIdLst>
   <p:sldSz cx="9144000" cy="6858000" type="screen4x3"/>
   <p:notesSz cx="6858000" cy="9144000"/>
@@ -126,10 +126,6 @@
 </p:presentation>
 </file>
 
-<file path=ppt/revisionInfo.xml><?xml version="1.0" encoding="utf-8"?>
-<p1510:revInfo xmlns:a="http://schemas.openxmlformats.org/drawingml/2006/main" xmlns:r="http://schemas.openxmlformats.org/officeDocument/2006/relationships" xmlns:p1510="http://schemas.microsoft.com/office/powerpoint/2015/10/main"/>
-</file>
-
 <file path=ppt/notesMasters/notesMaster1.xml><?xml version="1.0" encoding="utf-8"?>
 <p:notesMaster xmlns:a="http://schemas.openxmlformats.org/drawingml/2006/main" xmlns:r="http://schemas.openxmlformats.org/officeDocument/2006/relationships" xmlns:p="http://schemas.openxmlformats.org/presentationml/2006/main">
   <p:cSld>
@@ -212,7 +208,7 @@
           <a:p>
             <a:fld id="{F5CC4B3F-88C1-4FFA-B1B6-F41C21DC6924}" type="datetimeFigureOut">
               <a:rPr lang="en-US" smtClean="0"/>
-              <a:t>7/11/2017</a:t>
+              <a:t>10/30/2018</a:t>
             </a:fld>
             <a:endParaRPr lang="en-US"/>
           </a:p>
@@ -658,7 +654,7 @@
           <a:p>
             <a:fld id="{78C97017-6FC3-485B-9764-EAC9E56C1D49}" type="datetimeFigureOut">
               <a:rPr lang="en-US" smtClean="0"/>
-              <a:t>7/11/2017</a:t>
+              <a:t>10/30/2018</a:t>
             </a:fld>
             <a:endParaRPr lang="en-US"/>
           </a:p>
@@ -826,7 +822,7 @@
           <a:p>
             <a:fld id="{78C97017-6FC3-485B-9764-EAC9E56C1D49}" type="datetimeFigureOut">
               <a:rPr lang="en-US" smtClean="0"/>
-              <a:t>7/11/2017</a:t>
+              <a:t>10/30/2018</a:t>
             </a:fld>
             <a:endParaRPr lang="en-US"/>
           </a:p>
@@ -1004,7 +1000,7 @@
           <a:p>
             <a:fld id="{78C97017-6FC3-485B-9764-EAC9E56C1D49}" type="datetimeFigureOut">
               <a:rPr lang="en-US" smtClean="0"/>
-              <a:t>7/11/2017</a:t>
+              <a:t>10/30/2018</a:t>
             </a:fld>
             <a:endParaRPr lang="en-US"/>
           </a:p>
@@ -1172,7 +1168,7 @@
           <a:p>
             <a:fld id="{78C97017-6FC3-485B-9764-EAC9E56C1D49}" type="datetimeFigureOut">
               <a:rPr lang="en-US" smtClean="0"/>
-              <a:t>7/11/2017</a:t>
+              <a:t>10/30/2018</a:t>
             </a:fld>
             <a:endParaRPr lang="en-US"/>
           </a:p>
@@ -1417,7 +1413,7 @@
           <a:p>
             <a:fld id="{78C97017-6FC3-485B-9764-EAC9E56C1D49}" type="datetimeFigureOut">
               <a:rPr lang="en-US" smtClean="0"/>
-              <a:t>7/11/2017</a:t>
+              <a:t>10/30/2018</a:t>
             </a:fld>
             <a:endParaRPr lang="en-US"/>
           </a:p>
@@ -1702,7 +1698,7 @@
           <a:p>
             <a:fld id="{78C97017-6FC3-485B-9764-EAC9E56C1D49}" type="datetimeFigureOut">
               <a:rPr lang="en-US" smtClean="0"/>
-              <a:t>7/11/2017</a:t>
+              <a:t>10/30/2018</a:t>
             </a:fld>
             <a:endParaRPr lang="en-US"/>
           </a:p>
@@ -2121,7 +2117,7 @@
           <a:p>
             <a:fld id="{78C97017-6FC3-485B-9764-EAC9E56C1D49}" type="datetimeFigureOut">
               <a:rPr lang="en-US" smtClean="0"/>
-              <a:t>7/11/2017</a:t>
+              <a:t>10/30/2018</a:t>
             </a:fld>
             <a:endParaRPr lang="en-US"/>
           </a:p>
@@ -2238,7 +2234,7 @@
           <a:p>
             <a:fld id="{78C97017-6FC3-485B-9764-EAC9E56C1D49}" type="datetimeFigureOut">
               <a:rPr lang="en-US" smtClean="0"/>
-              <a:t>7/11/2017</a:t>
+              <a:t>10/30/2018</a:t>
             </a:fld>
             <a:endParaRPr lang="en-US"/>
           </a:p>
@@ -2333,7 +2329,7 @@
           <a:p>
             <a:fld id="{78C97017-6FC3-485B-9764-EAC9E56C1D49}" type="datetimeFigureOut">
               <a:rPr lang="en-US" smtClean="0"/>
-              <a:t>7/11/2017</a:t>
+              <a:t>10/30/2018</a:t>
             </a:fld>
             <a:endParaRPr lang="en-US"/>
           </a:p>
@@ -2608,7 +2604,7 @@
           <a:p>
             <a:fld id="{78C97017-6FC3-485B-9764-EAC9E56C1D49}" type="datetimeFigureOut">
               <a:rPr lang="en-US" smtClean="0"/>
-              <a:t>7/11/2017</a:t>
+              <a:t>10/30/2018</a:t>
             </a:fld>
             <a:endParaRPr lang="en-US"/>
           </a:p>
@@ -2860,7 +2856,7 @@
           <a:p>
             <a:fld id="{78C97017-6FC3-485B-9764-EAC9E56C1D49}" type="datetimeFigureOut">
               <a:rPr lang="en-US" smtClean="0"/>
-              <a:t>7/11/2017</a:t>
+              <a:t>10/30/2018</a:t>
             </a:fld>
             <a:endParaRPr lang="en-US"/>
           </a:p>
@@ -3071,7 +3067,7 @@
           <a:p>
             <a:fld id="{78C97017-6FC3-485B-9764-EAC9E56C1D49}" type="datetimeFigureOut">
               <a:rPr lang="en-US" smtClean="0"/>
-              <a:t>7/11/2017</a:t>
+              <a:t>10/30/2018</a:t>
             </a:fld>
             <a:endParaRPr lang="en-US"/>
           </a:p>
@@ -3448,14 +3444,20 @@
       </p:grpSpPr>
       <p:sp>
         <p:nvSpPr>
-          <p:cNvPr id="81" name="Rectangle 65"/>
+          <p:cNvPr id="4" name="Rectangle 65">
+            <a:extLst>
+              <a:ext uri="{FF2B5EF4-FFF2-40B4-BE49-F238E27FC236}">
+                <a16:creationId xmlns:a16="http://schemas.microsoft.com/office/drawing/2014/main" id="{0E6F42B1-5880-437F-949F-366F4467B18D}"/>
+              </a:ext>
+            </a:extLst>
+          </p:cNvPr>
           <p:cNvSpPr/>
           <p:nvPr/>
         </p:nvSpPr>
         <p:spPr>
           <a:xfrm>
-            <a:off x="685800" y="1981200"/>
-            <a:ext cx="7252956" cy="4000286"/>
+            <a:off x="685798" y="1981200"/>
+            <a:ext cx="7650000" cy="4000286"/>
           </a:xfrm>
           <a:prstGeom prst="roundRect">
             <a:avLst>
@@ -3509,7 +3511,13 @@
       </p:sp>
       <p:sp>
         <p:nvSpPr>
-          <p:cNvPr id="2" name="Rectangle 62"/>
+          <p:cNvPr id="5" name="Rectangle 62">
+            <a:extLst>
+              <a:ext uri="{FF2B5EF4-FFF2-40B4-BE49-F238E27FC236}">
+                <a16:creationId xmlns:a16="http://schemas.microsoft.com/office/drawing/2014/main" id="{E8D36A4C-0317-4275-96AB-27DBC732200A}"/>
+              </a:ext>
+            </a:extLst>
+          </p:cNvPr>
           <p:cNvSpPr/>
           <p:nvPr/>
         </p:nvSpPr>
@@ -3576,7 +3584,13 @@
       </p:sp>
       <p:cxnSp>
         <p:nvCxnSpPr>
-          <p:cNvPr id="5" name="Straight Connector 4"/>
+          <p:cNvPr id="6" name="Straight Connector 5">
+            <a:extLst>
+              <a:ext uri="{FF2B5EF4-FFF2-40B4-BE49-F238E27FC236}">
+                <a16:creationId xmlns:a16="http://schemas.microsoft.com/office/drawing/2014/main" id="{1182445C-1317-4397-9BAC-39BCC9461CAF}"/>
+              </a:ext>
+            </a:extLst>
+          </p:cNvPr>
           <p:cNvCxnSpPr/>
           <p:nvPr/>
         </p:nvCxnSpPr>
@@ -3613,7 +3627,13 @@
       </p:cxnSp>
       <p:sp>
         <p:nvSpPr>
-          <p:cNvPr id="6" name="Rectangle 5"/>
+          <p:cNvPr id="7" name="Rectangle 6">
+            <a:extLst>
+              <a:ext uri="{FF2B5EF4-FFF2-40B4-BE49-F238E27FC236}">
+                <a16:creationId xmlns:a16="http://schemas.microsoft.com/office/drawing/2014/main" id="{435D39BF-E129-470E-94AA-F7EEA65F53C2}"/>
+              </a:ext>
+            </a:extLst>
+          </p:cNvPr>
           <p:cNvSpPr/>
           <p:nvPr/>
         </p:nvSpPr>
@@ -3660,14 +3680,20 @@
       </p:sp>
       <p:sp>
         <p:nvSpPr>
-          <p:cNvPr id="16" name="Rectangle 62"/>
+          <p:cNvPr id="8" name="Rectangle 62">
+            <a:extLst>
+              <a:ext uri="{FF2B5EF4-FFF2-40B4-BE49-F238E27FC236}">
+                <a16:creationId xmlns:a16="http://schemas.microsoft.com/office/drawing/2014/main" id="{27E53362-0646-4EAA-99A6-781F2DB7847B}"/>
+              </a:ext>
+            </a:extLst>
+          </p:cNvPr>
           <p:cNvSpPr/>
           <p:nvPr/>
         </p:nvSpPr>
         <p:spPr>
           <a:xfrm>
-            <a:off x="2743200" y="2179309"/>
-            <a:ext cx="1219200" cy="467684"/>
+            <a:off x="2644178" y="2179309"/>
+            <a:ext cx="1424841" cy="467684"/>
           </a:xfrm>
           <a:prstGeom prst="rect">
             <a:avLst/>
@@ -3707,18 +3733,15 @@
                   <a:schemeClr val="bg1"/>
                 </a:solidFill>
               </a:rPr>
-              <a:t>:Address</a:t>
-            </a:r>
-          </a:p>
-          <a:p>
-            <a:pPr algn="ctr"/>
+              <a:t>:</a:t>
+            </a:r>
             <a:r>
               <a:rPr lang="en-US" sz="1600" dirty="0" err="1">
                 <a:solidFill>
                   <a:schemeClr val="bg1"/>
                 </a:solidFill>
               </a:rPr>
-              <a:t>BookParser</a:t>
+              <a:t>SuperTaClientParser</a:t>
             </a:r>
             <a:endParaRPr lang="en-SG" sz="1600" dirty="0">
               <a:solidFill>
@@ -3730,7 +3753,13 @@
       </p:sp>
       <p:cxnSp>
         <p:nvCxnSpPr>
-          <p:cNvPr id="17" name="Straight Connector 16"/>
+          <p:cNvPr id="9" name="Straight Connector 8">
+            <a:extLst>
+              <a:ext uri="{FF2B5EF4-FFF2-40B4-BE49-F238E27FC236}">
+                <a16:creationId xmlns:a16="http://schemas.microsoft.com/office/drawing/2014/main" id="{50477DB3-D853-4E8E-A05B-08E19D4D9DF9}"/>
+              </a:ext>
+            </a:extLst>
+          </p:cNvPr>
           <p:cNvCxnSpPr/>
           <p:nvPr/>
         </p:nvCxnSpPr>
@@ -3767,7 +3796,13 @@
       </p:cxnSp>
       <p:sp>
         <p:nvSpPr>
-          <p:cNvPr id="18" name="Rectangle 17"/>
+          <p:cNvPr id="10" name="Rectangle 9">
+            <a:extLst>
+              <a:ext uri="{FF2B5EF4-FFF2-40B4-BE49-F238E27FC236}">
+                <a16:creationId xmlns:a16="http://schemas.microsoft.com/office/drawing/2014/main" id="{C462C72E-DD95-48A1-AB54-820F69C82D24}"/>
+              </a:ext>
+            </a:extLst>
+          </p:cNvPr>
           <p:cNvSpPr/>
           <p:nvPr/>
         </p:nvSpPr>
@@ -3818,14 +3853,20 @@
       </p:sp>
       <p:sp>
         <p:nvSpPr>
-          <p:cNvPr id="19" name="Rectangle 62"/>
+          <p:cNvPr id="11" name="Rectangle 62">
+            <a:extLst>
+              <a:ext uri="{FF2B5EF4-FFF2-40B4-BE49-F238E27FC236}">
+                <a16:creationId xmlns:a16="http://schemas.microsoft.com/office/drawing/2014/main" id="{C9A5CDC8-855E-4973-9EEE-2130E660C90C}"/>
+              </a:ext>
+            </a:extLst>
+          </p:cNvPr>
           <p:cNvSpPr/>
           <p:nvPr/>
         </p:nvSpPr>
         <p:spPr>
           <a:xfrm>
             <a:off x="6221565" y="3312740"/>
-            <a:ext cx="1093635" cy="461538"/>
+            <a:ext cx="1887739" cy="461538"/>
           </a:xfrm>
           <a:prstGeom prst="rect">
             <a:avLst/>
@@ -3865,7 +3906,7 @@
                   <a:schemeClr val="bg1"/>
                 </a:solidFill>
               </a:rPr>
-              <a:t>d:Delete</a:t>
+              <a:t>d:DeleteAssignment</a:t>
             </a:r>
             <a:br>
               <a:rPr lang="en-US" sz="1600" dirty="0">
@@ -3892,15 +3933,21 @@
       </p:sp>
       <p:cxnSp>
         <p:nvCxnSpPr>
-          <p:cNvPr id="20" name="Straight Connector 19"/>
+          <p:cNvPr id="12" name="Straight Connector 11">
+            <a:extLst>
+              <a:ext uri="{FF2B5EF4-FFF2-40B4-BE49-F238E27FC236}">
+                <a16:creationId xmlns:a16="http://schemas.microsoft.com/office/drawing/2014/main" id="{AB87BAA9-7C63-419C-A1D0-94B22B8EF2D2}"/>
+              </a:ext>
+            </a:extLst>
+          </p:cNvPr>
           <p:cNvCxnSpPr>
-            <a:stCxn id="21" idx="0"/>
+            <a:stCxn id="13" idx="0"/>
           </p:cNvCxnSpPr>
           <p:nvPr/>
         </p:nvCxnSpPr>
         <p:spPr>
           <a:xfrm>
-            <a:off x="6772574" y="3774278"/>
+            <a:off x="7171722" y="3774278"/>
             <a:ext cx="0" cy="1940722"/>
           </a:xfrm>
           <a:prstGeom prst="line">
@@ -3931,13 +3978,19 @@
       </p:cxnSp>
       <p:sp>
         <p:nvSpPr>
-          <p:cNvPr id="21" name="Rectangle 20"/>
+          <p:cNvPr id="13" name="Rectangle 12">
+            <a:extLst>
+              <a:ext uri="{FF2B5EF4-FFF2-40B4-BE49-F238E27FC236}">
+                <a16:creationId xmlns:a16="http://schemas.microsoft.com/office/drawing/2014/main" id="{4361E4DC-E7D7-47CC-A2EC-23395615E6C7}"/>
+              </a:ext>
+            </a:extLst>
+          </p:cNvPr>
           <p:cNvSpPr/>
           <p:nvPr/>
         </p:nvSpPr>
         <p:spPr>
           <a:xfrm>
-            <a:off x="6696374" y="3774278"/>
+            <a:off x="7095522" y="3774278"/>
             <a:ext cx="152400" cy="276003"/>
           </a:xfrm>
           <a:prstGeom prst="rect">
@@ -3978,8 +4031,16 @@
       </p:sp>
       <p:cxnSp>
         <p:nvCxnSpPr>
-          <p:cNvPr id="23" name="Straight Arrow Connector 22"/>
-          <p:cNvCxnSpPr/>
+          <p:cNvPr id="14" name="Straight Arrow Connector 13">
+            <a:extLst>
+              <a:ext uri="{FF2B5EF4-FFF2-40B4-BE49-F238E27FC236}">
+                <a16:creationId xmlns:a16="http://schemas.microsoft.com/office/drawing/2014/main" id="{FC952164-7019-4104-BD9E-C3D3F16B50EF}"/>
+              </a:ext>
+            </a:extLst>
+          </p:cNvPr>
+          <p:cNvCxnSpPr>
+            <a:cxnSpLocks/>
+          </p:cNvCxnSpPr>
           <p:nvPr/>
         </p:nvCxnSpPr>
         <p:spPr>
@@ -4014,7 +4075,13 @@
       </p:cxnSp>
       <p:cxnSp>
         <p:nvCxnSpPr>
-          <p:cNvPr id="25" name="Straight Arrow Connector 24"/>
+          <p:cNvPr id="15" name="Straight Arrow Connector 14">
+            <a:extLst>
+              <a:ext uri="{FF2B5EF4-FFF2-40B4-BE49-F238E27FC236}">
+                <a16:creationId xmlns:a16="http://schemas.microsoft.com/office/drawing/2014/main" id="{94B25CB4-131E-4C75-A018-BFB45E8A00D8}"/>
+              </a:ext>
+            </a:extLst>
+          </p:cNvPr>
           <p:cNvCxnSpPr/>
           <p:nvPr/>
         </p:nvCxnSpPr>
@@ -4050,14 +4117,20 @@
       </p:cxnSp>
       <p:sp>
         <p:nvSpPr>
-          <p:cNvPr id="26" name="TextBox 25"/>
+          <p:cNvPr id="16" name="TextBox 15">
+            <a:extLst>
+              <a:ext uri="{FF2B5EF4-FFF2-40B4-BE49-F238E27FC236}">
+                <a16:creationId xmlns:a16="http://schemas.microsoft.com/office/drawing/2014/main" id="{8A58D7E1-F90C-40FE-A3CD-B090BD0454C6}"/>
+              </a:ext>
+            </a:extLst>
+          </p:cNvPr>
           <p:cNvSpPr txBox="1"/>
           <p:nvPr/>
         </p:nvSpPr>
         <p:spPr>
           <a:xfrm>
-            <a:off x="0" y="2743200"/>
-            <a:ext cx="1424846" cy="215444"/>
+            <a:off x="76200" y="3048000"/>
+            <a:ext cx="1492746" cy="646331"/>
           </a:xfrm>
           <a:prstGeom prst="rect">
             <a:avLst/>
@@ -4070,21 +4143,42 @@
           </a:bodyPr>
           <a:lstStyle/>
           <a:p>
-            <a:pPr algn="r"/>
             <a:r>
               <a:rPr lang="en-US" sz="1400" dirty="0">
                 <a:solidFill>
                   <a:srgbClr val="0070C0"/>
                 </a:solidFill>
               </a:rPr>
-              <a:t>execute(“delete 1”)</a:t>
+              <a:t>execute(“delete-assignment as/lab1 </a:t>
+            </a:r>
+            <a:r>
+              <a:rPr lang="en-US" sz="1400" dirty="0" err="1">
+                <a:solidFill>
+                  <a:srgbClr val="0070C0"/>
+                </a:solidFill>
+              </a:rPr>
+              <a:t>tg</a:t>
+            </a:r>
+            <a:r>
+              <a:rPr lang="en-US" sz="1400" dirty="0">
+                <a:solidFill>
+                  <a:srgbClr val="0070C0"/>
+                </a:solidFill>
+              </a:rPr>
+              <a:t>/04a”)</a:t>
             </a:r>
           </a:p>
         </p:txBody>
       </p:sp>
       <p:cxnSp>
         <p:nvCxnSpPr>
-          <p:cNvPr id="28" name="Straight Arrow Connector 27"/>
+          <p:cNvPr id="17" name="Straight Arrow Connector 16">
+            <a:extLst>
+              <a:ext uri="{FF2B5EF4-FFF2-40B4-BE49-F238E27FC236}">
+                <a16:creationId xmlns:a16="http://schemas.microsoft.com/office/drawing/2014/main" id="{830C9EB8-F663-4E32-B7D7-41A0B639F019}"/>
+              </a:ext>
+            </a:extLst>
+          </p:cNvPr>
           <p:cNvCxnSpPr/>
           <p:nvPr/>
         </p:nvCxnSpPr>
@@ -4120,13 +4214,19 @@
       </p:cxnSp>
       <p:sp>
         <p:nvSpPr>
-          <p:cNvPr id="29" name="TextBox 28"/>
+          <p:cNvPr id="18" name="TextBox 17">
+            <a:extLst>
+              <a:ext uri="{FF2B5EF4-FFF2-40B4-BE49-F238E27FC236}">
+                <a16:creationId xmlns:a16="http://schemas.microsoft.com/office/drawing/2014/main" id="{46C3D5F6-0541-4AC0-98D6-9AC6BEE681C9}"/>
+              </a:ext>
+            </a:extLst>
+          </p:cNvPr>
           <p:cNvSpPr txBox="1"/>
           <p:nvPr/>
         </p:nvSpPr>
         <p:spPr>
           <a:xfrm>
-            <a:off x="4257582" y="4251556"/>
+            <a:off x="4267200" y="4508956"/>
             <a:ext cx="855809" cy="215444"/>
           </a:xfrm>
           <a:prstGeom prst="rect">
@@ -4160,14 +4260,22 @@
       </p:sp>
       <p:cxnSp>
         <p:nvCxnSpPr>
-          <p:cNvPr id="34" name="Straight Arrow Connector 33"/>
-          <p:cNvCxnSpPr/>
+          <p:cNvPr id="19" name="Straight Arrow Connector 18">
+            <a:extLst>
+              <a:ext uri="{FF2B5EF4-FFF2-40B4-BE49-F238E27FC236}">
+                <a16:creationId xmlns:a16="http://schemas.microsoft.com/office/drawing/2014/main" id="{3DE89E93-4D35-4205-8274-7A1D03BFD1F2}"/>
+              </a:ext>
+            </a:extLst>
+          </p:cNvPr>
+          <p:cNvCxnSpPr>
+            <a:cxnSpLocks/>
+          </p:cNvCxnSpPr>
           <p:nvPr/>
         </p:nvCxnSpPr>
         <p:spPr>
           <a:xfrm>
             <a:off x="5257800" y="4050281"/>
-            <a:ext cx="1492974" cy="0"/>
+            <a:ext cx="1837722" cy="0"/>
           </a:xfrm>
           <a:prstGeom prst="straightConnector1">
             <a:avLst/>
@@ -4198,7 +4306,13 @@
       </p:cxnSp>
       <p:cxnSp>
         <p:nvCxnSpPr>
-          <p:cNvPr id="35" name="Straight Arrow Connector 34"/>
+          <p:cNvPr id="20" name="Straight Arrow Connector 19">
+            <a:extLst>
+              <a:ext uri="{FF2B5EF4-FFF2-40B4-BE49-F238E27FC236}">
+                <a16:creationId xmlns:a16="http://schemas.microsoft.com/office/drawing/2014/main" id="{EA82D8DC-E815-46DD-9073-6D43A9BAFE7E}"/>
+              </a:ext>
+            </a:extLst>
+          </p:cNvPr>
           <p:cNvCxnSpPr/>
           <p:nvPr/>
         </p:nvCxnSpPr>
@@ -4236,7 +4350,13 @@
       </p:cxnSp>
       <p:cxnSp>
         <p:nvCxnSpPr>
-          <p:cNvPr id="37" name="Straight Arrow Connector 36"/>
+          <p:cNvPr id="21" name="Straight Arrow Connector 20">
+            <a:extLst>
+              <a:ext uri="{FF2B5EF4-FFF2-40B4-BE49-F238E27FC236}">
+                <a16:creationId xmlns:a16="http://schemas.microsoft.com/office/drawing/2014/main" id="{307713A7-D06F-4A86-9378-B51E7017AE52}"/>
+              </a:ext>
+            </a:extLst>
+          </p:cNvPr>
           <p:cNvCxnSpPr/>
           <p:nvPr/>
         </p:nvCxnSpPr>
@@ -4274,13 +4394,19 @@
       </p:cxnSp>
       <p:sp>
         <p:nvSpPr>
-          <p:cNvPr id="39" name="Rectangle 62"/>
+          <p:cNvPr id="22" name="Rectangle 62">
+            <a:extLst>
+              <a:ext uri="{FF2B5EF4-FFF2-40B4-BE49-F238E27FC236}">
+                <a16:creationId xmlns:a16="http://schemas.microsoft.com/office/drawing/2014/main" id="{E4AEF232-69FE-4411-BCB7-44B7904FA3B2}"/>
+              </a:ext>
+            </a:extLst>
+          </p:cNvPr>
           <p:cNvSpPr/>
           <p:nvPr/>
         </p:nvSpPr>
         <p:spPr>
           <a:xfrm>
-            <a:off x="8265896" y="2362200"/>
+            <a:off x="8781148" y="2361130"/>
             <a:ext cx="1030504" cy="346760"/>
           </a:xfrm>
           <a:prstGeom prst="rect">
@@ -4339,14 +4465,22 @@
       </p:sp>
       <p:cxnSp>
         <p:nvCxnSpPr>
-          <p:cNvPr id="64" name="Straight Arrow Connector 63"/>
-          <p:cNvCxnSpPr/>
+          <p:cNvPr id="23" name="Straight Arrow Connector 22">
+            <a:extLst>
+              <a:ext uri="{FF2B5EF4-FFF2-40B4-BE49-F238E27FC236}">
+                <a16:creationId xmlns:a16="http://schemas.microsoft.com/office/drawing/2014/main" id="{DCF62B1B-ACF1-43EB-A381-AF9A8E1542A4}"/>
+              </a:ext>
+            </a:extLst>
+          </p:cNvPr>
+          <p:cNvCxnSpPr>
+            <a:cxnSpLocks/>
+          </p:cNvCxnSpPr>
           <p:nvPr/>
         </p:nvCxnSpPr>
         <p:spPr>
-          <a:xfrm>
-            <a:off x="1653251" y="4495317"/>
-            <a:ext cx="5043123" cy="0"/>
+          <a:xfrm flipV="1">
+            <a:off x="1653251" y="4482644"/>
+            <a:ext cx="5433349" cy="12673"/>
           </a:xfrm>
           <a:prstGeom prst="straightConnector1">
             <a:avLst/>
@@ -4375,13 +4509,19 @@
       </p:cxnSp>
       <p:sp>
         <p:nvSpPr>
-          <p:cNvPr id="65" name="Rectangle 64"/>
+          <p:cNvPr id="24" name="Rectangle 23">
+            <a:extLst>
+              <a:ext uri="{FF2B5EF4-FFF2-40B4-BE49-F238E27FC236}">
+                <a16:creationId xmlns:a16="http://schemas.microsoft.com/office/drawing/2014/main" id="{E2B69993-F8E0-49FF-85BB-40D1575EC00B}"/>
+              </a:ext>
+            </a:extLst>
+          </p:cNvPr>
           <p:cNvSpPr/>
           <p:nvPr/>
         </p:nvSpPr>
         <p:spPr>
           <a:xfrm>
-            <a:off x="6687452" y="4467000"/>
+            <a:off x="7086600" y="4467000"/>
             <a:ext cx="161322" cy="1019400"/>
           </a:xfrm>
           <a:prstGeom prst="rect">
@@ -4422,13 +4562,19 @@
       </p:sp>
       <p:cxnSp>
         <p:nvCxnSpPr>
-          <p:cNvPr id="71" name="Straight Connector 70"/>
+          <p:cNvPr id="25" name="Straight Connector 24">
+            <a:extLst>
+              <a:ext uri="{FF2B5EF4-FFF2-40B4-BE49-F238E27FC236}">
+                <a16:creationId xmlns:a16="http://schemas.microsoft.com/office/drawing/2014/main" id="{B0BF2C86-0844-4850-A898-4556FDE57F56}"/>
+              </a:ext>
+            </a:extLst>
+          </p:cNvPr>
           <p:cNvCxnSpPr/>
           <p:nvPr/>
         </p:nvCxnSpPr>
         <p:spPr>
           <a:xfrm>
-            <a:off x="8781148" y="2700858"/>
+            <a:off x="9296400" y="2707890"/>
             <a:ext cx="0" cy="2830598"/>
           </a:xfrm>
           <a:prstGeom prst="line">
@@ -4462,13 +4608,19 @@
       </p:cxnSp>
       <p:sp>
         <p:nvSpPr>
-          <p:cNvPr id="73" name="Rectangle 72"/>
+          <p:cNvPr id="26" name="Rectangle 25">
+            <a:extLst>
+              <a:ext uri="{FF2B5EF4-FFF2-40B4-BE49-F238E27FC236}">
+                <a16:creationId xmlns:a16="http://schemas.microsoft.com/office/drawing/2014/main" id="{E2AFD9AD-C2CF-47EA-8451-387AEA50975E}"/>
+              </a:ext>
+            </a:extLst>
+          </p:cNvPr>
           <p:cNvSpPr/>
           <p:nvPr/>
         </p:nvSpPr>
         <p:spPr>
           <a:xfrm>
-            <a:off x="8686800" y="4524597"/>
+            <a:off x="9220200" y="4524597"/>
             <a:ext cx="152400" cy="199803"/>
           </a:xfrm>
           <a:prstGeom prst="rect">
@@ -4519,14 +4671,22 @@
       </p:sp>
       <p:cxnSp>
         <p:nvCxnSpPr>
-          <p:cNvPr id="75" name="Straight Arrow Connector 74"/>
-          <p:cNvCxnSpPr/>
+          <p:cNvPr id="27" name="Straight Arrow Connector 26">
+            <a:extLst>
+              <a:ext uri="{FF2B5EF4-FFF2-40B4-BE49-F238E27FC236}">
+                <a16:creationId xmlns:a16="http://schemas.microsoft.com/office/drawing/2014/main" id="{6E874A44-4641-46B7-A663-A90800092768}"/>
+              </a:ext>
+            </a:extLst>
+          </p:cNvPr>
+          <p:cNvCxnSpPr>
+            <a:cxnSpLocks/>
+          </p:cNvCxnSpPr>
           <p:nvPr/>
         </p:nvCxnSpPr>
         <p:spPr>
           <a:xfrm>
-            <a:off x="6850663" y="4524597"/>
-            <a:ext cx="1836137" cy="0"/>
+            <a:off x="7249811" y="4524597"/>
+            <a:ext cx="1970389" cy="0"/>
           </a:xfrm>
           <a:prstGeom prst="straightConnector1">
             <a:avLst/>
@@ -4555,14 +4715,22 @@
       </p:cxnSp>
       <p:cxnSp>
         <p:nvCxnSpPr>
-          <p:cNvPr id="76" name="Straight Arrow Connector 75"/>
-          <p:cNvCxnSpPr/>
+          <p:cNvPr id="28" name="Straight Arrow Connector 27">
+            <a:extLst>
+              <a:ext uri="{FF2B5EF4-FFF2-40B4-BE49-F238E27FC236}">
+                <a16:creationId xmlns:a16="http://schemas.microsoft.com/office/drawing/2014/main" id="{93EBA707-73B9-4BBC-9D3E-8F6C2B54A9CC}"/>
+              </a:ext>
+            </a:extLst>
+          </p:cNvPr>
+          <p:cNvCxnSpPr>
+            <a:cxnSpLocks/>
+          </p:cNvCxnSpPr>
           <p:nvPr/>
         </p:nvCxnSpPr>
         <p:spPr>
-          <a:xfrm flipV="1">
-            <a:off x="6848774" y="4714650"/>
-            <a:ext cx="1838026" cy="9750"/>
+          <a:xfrm>
+            <a:off x="7247922" y="4724400"/>
+            <a:ext cx="1972278" cy="0"/>
           </a:xfrm>
           <a:prstGeom prst="straightConnector1">
             <a:avLst/>
@@ -4596,14 +4764,22 @@
       </p:cxnSp>
       <p:cxnSp>
         <p:nvCxnSpPr>
-          <p:cNvPr id="77" name="Straight Arrow Connector 76"/>
-          <p:cNvCxnSpPr/>
+          <p:cNvPr id="29" name="Straight Arrow Connector 28">
+            <a:extLst>
+              <a:ext uri="{FF2B5EF4-FFF2-40B4-BE49-F238E27FC236}">
+                <a16:creationId xmlns:a16="http://schemas.microsoft.com/office/drawing/2014/main" id="{1FF65E6C-8F85-4740-8221-4D0BAF5FCB55}"/>
+              </a:ext>
+            </a:extLst>
+          </p:cNvPr>
+          <p:cNvCxnSpPr>
+            <a:cxnSpLocks/>
+          </p:cNvCxnSpPr>
           <p:nvPr/>
         </p:nvCxnSpPr>
         <p:spPr>
           <a:xfrm>
             <a:off x="1653251" y="5486400"/>
-            <a:ext cx="5052349" cy="0"/>
+            <a:ext cx="5433349" cy="0"/>
           </a:xfrm>
           <a:prstGeom prst="straightConnector1">
             <a:avLst/>
@@ -4634,14 +4810,20 @@
       </p:cxnSp>
       <p:sp>
         <p:nvSpPr>
-          <p:cNvPr id="78" name="TextBox 77"/>
+          <p:cNvPr id="30" name="TextBox 29">
+            <a:extLst>
+              <a:ext uri="{FF2B5EF4-FFF2-40B4-BE49-F238E27FC236}">
+                <a16:creationId xmlns:a16="http://schemas.microsoft.com/office/drawing/2014/main" id="{499258D5-0D20-475E-A460-197C437B3E5D}"/>
+              </a:ext>
+            </a:extLst>
+          </p:cNvPr>
           <p:cNvSpPr txBox="1"/>
           <p:nvPr/>
         </p:nvSpPr>
         <p:spPr>
           <a:xfrm>
-            <a:off x="6984957" y="4267200"/>
-            <a:ext cx="1424846" cy="215444"/>
+            <a:off x="7239000" y="4267200"/>
+            <a:ext cx="1887737" cy="215444"/>
           </a:xfrm>
           <a:prstGeom prst="rect">
             <a:avLst/>
@@ -4671,7 +4853,7 @@
                   <a:srgbClr val="7030A0"/>
                 </a:solidFill>
               </a:rPr>
-              <a:t>deletePerson</a:t>
+              <a:t>deleteAssignment</a:t>
             </a:r>
             <a:r>
               <a:rPr lang="en-US" dirty="0">
@@ -4679,21 +4861,43 @@
                   <a:srgbClr val="7030A0"/>
                 </a:solidFill>
               </a:rPr>
-              <a:t>(p)</a:t>
-            </a:r>
-          </a:p>
-        </p:txBody>
-      </p:sp>
-      <p:sp>
-        <p:nvSpPr>
-          <p:cNvPr id="79" name="TextBox 78"/>
+              <a:t>(</a:t>
+            </a:r>
+            <a:r>
+              <a:rPr lang="en-US" dirty="0" err="1">
+                <a:solidFill>
+                  <a:srgbClr val="7030A0"/>
+                </a:solidFill>
+              </a:rPr>
+              <a:t>tg</a:t>
+            </a:r>
+            <a:r>
+              <a:rPr lang="en-US" dirty="0">
+                <a:solidFill>
+                  <a:srgbClr val="7030A0"/>
+                </a:solidFill>
+              </a:rPr>
+              <a:t>, as)</a:t>
+            </a:r>
+          </a:p>
+        </p:txBody>
+      </p:sp>
+      <p:sp>
+        <p:nvSpPr>
+          <p:cNvPr id="31" name="TextBox 30">
+            <a:extLst>
+              <a:ext uri="{FF2B5EF4-FFF2-40B4-BE49-F238E27FC236}">
+                <a16:creationId xmlns:a16="http://schemas.microsoft.com/office/drawing/2014/main" id="{3E0322F1-18D0-42C7-83B1-AF9C2BD2CD1F}"/>
+              </a:ext>
+            </a:extLst>
+          </p:cNvPr>
           <p:cNvSpPr txBox="1"/>
           <p:nvPr/>
         </p:nvSpPr>
         <p:spPr>
           <a:xfrm>
-            <a:off x="3847551" y="3657600"/>
-            <a:ext cx="767033" cy="184666"/>
+            <a:off x="3505200" y="3701534"/>
+            <a:ext cx="1491627" cy="184666"/>
           </a:xfrm>
           <a:prstGeom prst="rect">
             <a:avLst/>
@@ -4719,21 +4923,35 @@
           <a:p>
             <a:r>
               <a:rPr lang="en-US" sz="1200" dirty="0"/>
-              <a:t>parse(“1”)</a:t>
-            </a:r>
-          </a:p>
-        </p:txBody>
-      </p:sp>
-      <p:sp>
-        <p:nvSpPr>
-          <p:cNvPr id="80" name="TextBox 79"/>
+              <a:t>parse(“as/lab1 </a:t>
+            </a:r>
+            <a:r>
+              <a:rPr lang="en-US" sz="1200" dirty="0" err="1"/>
+              <a:t>tg</a:t>
+            </a:r>
+            <a:r>
+              <a:rPr lang="en-US" sz="1200" dirty="0"/>
+              <a:t>/04a”)</a:t>
+            </a:r>
+          </a:p>
+        </p:txBody>
+      </p:sp>
+      <p:sp>
+        <p:nvSpPr>
+          <p:cNvPr id="32" name="TextBox 31">
+            <a:extLst>
+              <a:ext uri="{FF2B5EF4-FFF2-40B4-BE49-F238E27FC236}">
+                <a16:creationId xmlns:a16="http://schemas.microsoft.com/office/drawing/2014/main" id="{FA6D4BF9-32C9-4171-9C02-7DC5E4D642F1}"/>
+              </a:ext>
+            </a:extLst>
+          </p:cNvPr>
           <p:cNvSpPr txBox="1"/>
           <p:nvPr/>
         </p:nvSpPr>
         <p:spPr>
           <a:xfrm>
-            <a:off x="1742982" y="2850922"/>
-            <a:ext cx="1424846" cy="215444"/>
+            <a:off x="1775554" y="3124200"/>
+            <a:ext cx="1424846" cy="646331"/>
           </a:xfrm>
           <a:prstGeom prst="rect">
             <a:avLst/>
@@ -4757,16 +4975,31 @@
             </a:lvl1pPr>
           </a:lstStyle>
           <a:p>
+            <a:pPr algn="l"/>
             <a:r>
               <a:rPr lang="en-US" dirty="0"/>
-              <a:t>parse(“delete 1”)</a:t>
-            </a:r>
-          </a:p>
-        </p:txBody>
-      </p:sp>
-      <p:sp>
-        <p:nvSpPr>
-          <p:cNvPr id="82" name="TextBox 81"/>
+              <a:t>parse(“delete-assignment as/lab1 </a:t>
+            </a:r>
+            <a:r>
+              <a:rPr lang="en-US" dirty="0" err="1"/>
+              <a:t>tg</a:t>
+            </a:r>
+            <a:r>
+              <a:rPr lang="en-US" dirty="0"/>
+              <a:t>/04a”)</a:t>
+            </a:r>
+          </a:p>
+        </p:txBody>
+      </p:sp>
+      <p:sp>
+        <p:nvSpPr>
+          <p:cNvPr id="33" name="TextBox 32">
+            <a:extLst>
+              <a:ext uri="{FF2B5EF4-FFF2-40B4-BE49-F238E27FC236}">
+                <a16:creationId xmlns:a16="http://schemas.microsoft.com/office/drawing/2014/main" id="{B5B7C544-8A11-4A54-AABD-A813AB86D92C}"/>
+              </a:ext>
+            </a:extLst>
+          </p:cNvPr>
           <p:cNvSpPr txBox="1"/>
           <p:nvPr/>
         </p:nvSpPr>
@@ -4806,7 +5039,13 @@
       </p:sp>
       <p:sp>
         <p:nvSpPr>
-          <p:cNvPr id="83" name="TextBox 82"/>
+          <p:cNvPr id="34" name="TextBox 33">
+            <a:extLst>
+              <a:ext uri="{FF2B5EF4-FFF2-40B4-BE49-F238E27FC236}">
+                <a16:creationId xmlns:a16="http://schemas.microsoft.com/office/drawing/2014/main" id="{78F93D72-5837-4F0D-AB41-E5CD17CD4413}"/>
+              </a:ext>
+            </a:extLst>
+          </p:cNvPr>
           <p:cNvSpPr txBox="1"/>
           <p:nvPr/>
         </p:nvSpPr>
@@ -4846,13 +5085,19 @@
       </p:sp>
       <p:sp>
         <p:nvSpPr>
-          <p:cNvPr id="84" name="Rectangle 62"/>
+          <p:cNvPr id="35" name="Rectangle 62">
+            <a:extLst>
+              <a:ext uri="{FF2B5EF4-FFF2-40B4-BE49-F238E27FC236}">
+                <a16:creationId xmlns:a16="http://schemas.microsoft.com/office/drawing/2014/main" id="{A6D68C56-C143-4C07-9AE6-9C55B9B588C5}"/>
+              </a:ext>
+            </a:extLst>
+          </p:cNvPr>
           <p:cNvSpPr/>
           <p:nvPr/>
         </p:nvSpPr>
         <p:spPr>
           <a:xfrm>
-            <a:off x="7020246" y="4777286"/>
+            <a:off x="7419394" y="4777286"/>
             <a:ext cx="1590354" cy="461538"/>
           </a:xfrm>
           <a:prstGeom prst="rect">
@@ -4913,13 +5158,19 @@
       </p:sp>
       <p:sp>
         <p:nvSpPr>
-          <p:cNvPr id="86" name="Rectangle 85"/>
+          <p:cNvPr id="36" name="Rectangle 35">
+            <a:extLst>
+              <a:ext uri="{FF2B5EF4-FFF2-40B4-BE49-F238E27FC236}">
+                <a16:creationId xmlns:a16="http://schemas.microsoft.com/office/drawing/2014/main" id="{99635D1E-51F4-479B-B6C5-80A00E23DF0C}"/>
+              </a:ext>
+            </a:extLst>
+          </p:cNvPr>
           <p:cNvSpPr/>
           <p:nvPr/>
         </p:nvSpPr>
         <p:spPr>
           <a:xfrm>
-            <a:off x="7777323" y="5238824"/>
+            <a:off x="8176471" y="5238824"/>
             <a:ext cx="152400" cy="171376"/>
           </a:xfrm>
           <a:prstGeom prst="rect">
@@ -4960,13 +5211,19 @@
       </p:sp>
       <p:cxnSp>
         <p:nvCxnSpPr>
-          <p:cNvPr id="90" name="Straight Arrow Connector 89"/>
+          <p:cNvPr id="37" name="Straight Arrow Connector 36">
+            <a:extLst>
+              <a:ext uri="{FF2B5EF4-FFF2-40B4-BE49-F238E27FC236}">
+                <a16:creationId xmlns:a16="http://schemas.microsoft.com/office/drawing/2014/main" id="{FEED566C-9BC8-4F73-949A-99418F84539F}"/>
+              </a:ext>
+            </a:extLst>
+          </p:cNvPr>
           <p:cNvCxnSpPr/>
           <p:nvPr/>
         </p:nvCxnSpPr>
         <p:spPr>
           <a:xfrm>
-            <a:off x="6858000" y="5410200"/>
+            <a:off x="7257148" y="5410200"/>
             <a:ext cx="966624" cy="0"/>
           </a:xfrm>
           <a:prstGeom prst="straightConnector1">
@@ -4998,7 +5255,13 @@
       </p:cxnSp>
       <p:sp>
         <p:nvSpPr>
-          <p:cNvPr id="93" name="TextBox 92"/>
+          <p:cNvPr id="38" name="TextBox 37">
+            <a:extLst>
+              <a:ext uri="{FF2B5EF4-FFF2-40B4-BE49-F238E27FC236}">
+                <a16:creationId xmlns:a16="http://schemas.microsoft.com/office/drawing/2014/main" id="{3977DD8E-DE85-46FF-A459-0F6965C7D4FD}"/>
+              </a:ext>
+            </a:extLst>
+          </p:cNvPr>
           <p:cNvSpPr txBox="1"/>
           <p:nvPr/>
         </p:nvSpPr>
@@ -5038,14 +5301,20 @@
       </p:sp>
       <p:sp>
         <p:nvSpPr>
-          <p:cNvPr id="40" name="Rectangle 62"/>
+          <p:cNvPr id="39" name="Rectangle 62">
+            <a:extLst>
+              <a:ext uri="{FF2B5EF4-FFF2-40B4-BE49-F238E27FC236}">
+                <a16:creationId xmlns:a16="http://schemas.microsoft.com/office/drawing/2014/main" id="{842ADC78-032B-40C0-B230-E0F9C72465E7}"/>
+              </a:ext>
+            </a:extLst>
+          </p:cNvPr>
           <p:cNvSpPr/>
           <p:nvPr/>
         </p:nvSpPr>
         <p:spPr>
           <a:xfrm>
-            <a:off x="4231981" y="2929839"/>
-            <a:ext cx="1778201" cy="432035"/>
+            <a:off x="4270280" y="2930305"/>
+            <a:ext cx="1779819" cy="432035"/>
           </a:xfrm>
           <a:prstGeom prst="rect">
             <a:avLst/>
@@ -5093,23 +5362,15 @@
                   <a:schemeClr val="bg1"/>
                 </a:solidFill>
               </a:rPr>
-              <a:t>DeleteCommand</a:t>
-            </a:r>
-            <a:endParaRPr lang="en-US" sz="1600" dirty="0">
-              <a:solidFill>
-                <a:schemeClr val="bg1"/>
-              </a:solidFill>
-            </a:endParaRPr>
-          </a:p>
-          <a:p>
-            <a:pPr algn="ctr"/>
+              <a:t>DeleteAssignment</a:t>
+            </a:r>
             <a:r>
               <a:rPr lang="en-US" sz="1600" dirty="0">
                 <a:solidFill>
                   <a:schemeClr val="bg1"/>
                 </a:solidFill>
               </a:rPr>
-              <a:t>Parser</a:t>
+              <a:t> Command Parser</a:t>
             </a:r>
             <a:endParaRPr lang="en-SG" sz="1600" dirty="0">
               <a:solidFill>
@@ -5121,7 +5382,13 @@
       </p:sp>
       <p:cxnSp>
         <p:nvCxnSpPr>
-          <p:cNvPr id="8" name="Straight Arrow Connector 7"/>
+          <p:cNvPr id="40" name="Straight Arrow Connector 39">
+            <a:extLst>
+              <a:ext uri="{FF2B5EF4-FFF2-40B4-BE49-F238E27FC236}">
+                <a16:creationId xmlns:a16="http://schemas.microsoft.com/office/drawing/2014/main" id="{5C113E54-3E47-4064-9C0F-3199EF1BFDD0}"/>
+              </a:ext>
+            </a:extLst>
+          </p:cNvPr>
           <p:cNvCxnSpPr/>
           <p:nvPr/>
         </p:nvCxnSpPr>
@@ -5155,7 +5422,13 @@
       </p:cxnSp>
       <p:sp>
         <p:nvSpPr>
-          <p:cNvPr id="45" name="Rectangle 44"/>
+          <p:cNvPr id="41" name="Rectangle 40">
+            <a:extLst>
+              <a:ext uri="{FF2B5EF4-FFF2-40B4-BE49-F238E27FC236}">
+                <a16:creationId xmlns:a16="http://schemas.microsoft.com/office/drawing/2014/main" id="{1BB18455-F23D-43CE-B944-9B1466E4B2CB}"/>
+              </a:ext>
+            </a:extLst>
+          </p:cNvPr>
           <p:cNvSpPr/>
           <p:nvPr/>
         </p:nvSpPr>
@@ -5202,9 +5475,15 @@
       </p:sp>
       <p:cxnSp>
         <p:nvCxnSpPr>
-          <p:cNvPr id="46" name="Straight Connector 45"/>
+          <p:cNvPr id="42" name="Straight Connector 41">
+            <a:extLst>
+              <a:ext uri="{FF2B5EF4-FFF2-40B4-BE49-F238E27FC236}">
+                <a16:creationId xmlns:a16="http://schemas.microsoft.com/office/drawing/2014/main" id="{CA7E2634-DBB8-4E94-A00F-C5C43ACCE1DE}"/>
+              </a:ext>
+            </a:extLst>
+          </p:cNvPr>
           <p:cNvCxnSpPr>
-            <a:stCxn id="45" idx="0"/>
+            <a:stCxn id="41" idx="0"/>
           </p:cNvCxnSpPr>
           <p:nvPr/>
         </p:nvCxnSpPr>
@@ -5241,7 +5520,13 @@
       </p:cxnSp>
       <p:sp>
         <p:nvSpPr>
-          <p:cNvPr id="49" name="Rectangle 48"/>
+          <p:cNvPr id="43" name="Rectangle 42">
+            <a:extLst>
+              <a:ext uri="{FF2B5EF4-FFF2-40B4-BE49-F238E27FC236}">
+                <a16:creationId xmlns:a16="http://schemas.microsoft.com/office/drawing/2014/main" id="{00977101-11FB-452E-8F00-BD3438248462}"/>
+              </a:ext>
+            </a:extLst>
+          </p:cNvPr>
           <p:cNvSpPr/>
           <p:nvPr/>
         </p:nvSpPr>
@@ -5288,7 +5573,13 @@
       </p:sp>
       <p:cxnSp>
         <p:nvCxnSpPr>
-          <p:cNvPr id="51" name="Straight Arrow Connector 50"/>
+          <p:cNvPr id="44" name="Straight Arrow Connector 43">
+            <a:extLst>
+              <a:ext uri="{FF2B5EF4-FFF2-40B4-BE49-F238E27FC236}">
+                <a16:creationId xmlns:a16="http://schemas.microsoft.com/office/drawing/2014/main" id="{E55C9A9F-4F2E-4AAC-9F61-05D167E2B361}"/>
+              </a:ext>
+            </a:extLst>
+          </p:cNvPr>
           <p:cNvCxnSpPr/>
           <p:nvPr/>
         </p:nvCxnSpPr>
@@ -5326,13 +5617,19 @@
       </p:cxnSp>
       <p:cxnSp>
         <p:nvCxnSpPr>
-          <p:cNvPr id="13" name="Straight Arrow Connector 12"/>
+          <p:cNvPr id="45" name="Straight Arrow Connector 44">
+            <a:extLst>
+              <a:ext uri="{FF2B5EF4-FFF2-40B4-BE49-F238E27FC236}">
+                <a16:creationId xmlns:a16="http://schemas.microsoft.com/office/drawing/2014/main" id="{FD3D54AF-5D8B-4F8A-A4C5-D6DE744488C9}"/>
+              </a:ext>
+            </a:extLst>
+          </p:cNvPr>
           <p:cNvCxnSpPr/>
           <p:nvPr/>
         </p:nvCxnSpPr>
         <p:spPr>
           <a:xfrm>
-            <a:off x="6858000" y="5029200"/>
+            <a:off x="7257148" y="5029200"/>
             <a:ext cx="162246" cy="0"/>
           </a:xfrm>
           <a:prstGeom prst="straightConnector1">
@@ -5360,14 +5657,22 @@
       </p:cxnSp>
       <p:cxnSp>
         <p:nvCxnSpPr>
-          <p:cNvPr id="50" name="Straight Arrow Connector 49"/>
-          <p:cNvCxnSpPr/>
+          <p:cNvPr id="46" name="Straight Arrow Connector 45">
+            <a:extLst>
+              <a:ext uri="{FF2B5EF4-FFF2-40B4-BE49-F238E27FC236}">
+                <a16:creationId xmlns:a16="http://schemas.microsoft.com/office/drawing/2014/main" id="{275E4A4F-2C61-4567-8C6F-DAD1E96B75B4}"/>
+              </a:ext>
+            </a:extLst>
+          </p:cNvPr>
+          <p:cNvCxnSpPr>
+            <a:cxnSpLocks/>
+          </p:cNvCxnSpPr>
           <p:nvPr/>
         </p:nvCxnSpPr>
         <p:spPr>
           <a:xfrm>
             <a:off x="3412425" y="3173004"/>
-            <a:ext cx="819556" cy="1"/>
+            <a:ext cx="845157" cy="0"/>
           </a:xfrm>
           <a:prstGeom prst="straightConnector1">
             <a:avLst/>
@@ -5396,7 +5701,13 @@
       </p:cxnSp>
       <p:cxnSp>
         <p:nvCxnSpPr>
-          <p:cNvPr id="52" name="Straight Arrow Connector 51"/>
+          <p:cNvPr id="47" name="Straight Arrow Connector 46">
+            <a:extLst>
+              <a:ext uri="{FF2B5EF4-FFF2-40B4-BE49-F238E27FC236}">
+                <a16:creationId xmlns:a16="http://schemas.microsoft.com/office/drawing/2014/main" id="{21A39118-9D6B-4268-9494-0D2C27111E8C}"/>
+              </a:ext>
+            </a:extLst>
+          </p:cNvPr>
           <p:cNvCxnSpPr/>
           <p:nvPr/>
         </p:nvCxnSpPr>
@@ -5434,7 +5745,13 @@
       </p:cxnSp>
       <p:sp>
         <p:nvSpPr>
-          <p:cNvPr id="4" name="TextBox 3"/>
+          <p:cNvPr id="48" name="TextBox 47">
+            <a:extLst>
+              <a:ext uri="{FF2B5EF4-FFF2-40B4-BE49-F238E27FC236}">
+                <a16:creationId xmlns:a16="http://schemas.microsoft.com/office/drawing/2014/main" id="{D702D4AB-6BC4-460B-B841-60BA596CEA10}"/>
+              </a:ext>
+            </a:extLst>
+          </p:cNvPr>
           <p:cNvSpPr txBox="1"/>
           <p:nvPr/>
         </p:nvSpPr>
@@ -5468,7 +5785,7 @@
     </p:spTree>
     <p:extLst>
       <p:ext uri="{BB962C8B-B14F-4D97-AF65-F5344CB8AC3E}">
-        <p14:creationId xmlns:p14="http://schemas.microsoft.com/office/powerpoint/2010/main" val="3945898909"/>
+        <p14:creationId xmlns:p14="http://schemas.microsoft.com/office/powerpoint/2010/main" val="2747434912"/>
       </p:ext>
     </p:extLst>
   </p:cSld>
